--- a/presentations/TSP Augment.pptx
+++ b/presentations/TSP Augment.pptx
@@ -27639,8 +27639,8 @@
         </p:blipFill>
         <p:spPr>
           <a:xfrm>
-            <a:off x="4432350" y="1151900"/>
-            <a:ext cx="4588675" cy="2839701"/>
+            <a:off x="4405000" y="1143438"/>
+            <a:ext cx="4616024" cy="2856626"/>
           </a:xfrm>
           <a:prstGeom prst="rect">
             <a:avLst/>
@@ -27756,37 +27756,9 @@
           </a:p>
         </p:txBody>
       </p:sp>
-      <p:pic>
-        <p:nvPicPr>
-          <p:cNvPr id="257" name="Google Shape;257;p37" title="Chart"/>
-          <p:cNvPicPr preferRelativeResize="0"/>
-          <p:nvPr/>
-        </p:nvPicPr>
-        <p:blipFill>
-          <a:blip r:embed="rId3">
-            <a:alphaModFix/>
-          </a:blip>
-          <a:stretch>
-            <a:fillRect/>
-          </a:stretch>
-        </p:blipFill>
-        <p:spPr>
-          <a:xfrm>
-            <a:off x="4527025" y="1204213"/>
-            <a:ext cx="4419601" cy="2735068"/>
-          </a:xfrm>
-          <a:prstGeom prst="rect">
-            <a:avLst/>
-          </a:prstGeom>
-          <a:noFill/>
-          <a:ln>
-            <a:noFill/>
-          </a:ln>
-        </p:spPr>
-      </p:pic>
       <p:sp>
         <p:nvSpPr>
-          <p:cNvPr id="258" name="Google Shape;258;p37"/>
+          <p:cNvPr id="257" name="Google Shape;257;p37"/>
           <p:cNvSpPr txBox="1"/>
           <p:nvPr>
             <p:ph type="title"/>
@@ -27826,7 +27798,7 @@
       </p:sp>
       <p:sp>
         <p:nvSpPr>
-          <p:cNvPr id="259" name="Google Shape;259;p37"/>
+          <p:cNvPr id="258" name="Google Shape;258;p37"/>
           <p:cNvSpPr txBox="1"/>
           <p:nvPr>
             <p:ph idx="1" type="body"/>
@@ -27867,7 +27839,7 @@
             </a:r>
             <a:r>
               <a:rPr lang="en" sz="1200"/>
-              <a:t> at 15 nodes</a:t>
+              <a:t> at 15 nodes *Estimation*</a:t>
             </a:r>
             <a:endParaRPr sz="1200"/>
           </a:p>
@@ -27922,6 +27894,34 @@
           </a:p>
         </p:txBody>
       </p:sp>
+      <p:pic>
+        <p:nvPicPr>
+          <p:cNvPr id="259" name="Google Shape;259;p37" title="Chart"/>
+          <p:cNvPicPr preferRelativeResize="0"/>
+          <p:nvPr/>
+        </p:nvPicPr>
+        <p:blipFill>
+          <a:blip r:embed="rId3">
+            <a:alphaModFix/>
+          </a:blip>
+          <a:stretch>
+            <a:fillRect/>
+          </a:stretch>
+        </p:blipFill>
+        <p:spPr>
+          <a:xfrm>
+            <a:off x="4386950" y="1052750"/>
+            <a:ext cx="4677149" cy="2894449"/>
+          </a:xfrm>
+          <a:prstGeom prst="rect">
+            <a:avLst/>
+          </a:prstGeom>
+          <a:noFill/>
+          <a:ln>
+            <a:noFill/>
+          </a:ln>
+        </p:spPr>
+      </p:pic>
     </p:spTree>
   </p:cSld>
   <p:clrMapOvr>

--- a/presentations/TSP Augment.pptx
+++ b/presentations/TSP Augment.pptx
@@ -917,7 +917,7 @@
   <p:cSld>
     <p:spTree>
       <p:nvGrpSpPr>
-        <p:cNvPr id="228" name="Shape 228"/>
+        <p:cNvPr id="254" name="Shape 254"/>
         <p:cNvGrpSpPr/>
         <p:nvPr/>
       </p:nvGrpSpPr>
@@ -931,7 +931,7 @@
       </p:grpSpPr>
       <p:sp>
         <p:nvSpPr>
-          <p:cNvPr id="229" name="Google Shape;229;g31f069b881b_0_308:notes"/>
+          <p:cNvPr id="255" name="Google Shape;255;g31f069b881b_0_308:notes"/>
           <p:cNvSpPr/>
           <p:nvPr>
             <p:ph idx="2" type="sldImg"/>
@@ -966,7 +966,7 @@
       </p:sp>
       <p:sp>
         <p:nvSpPr>
-          <p:cNvPr id="230" name="Google Shape;230;g31f069b881b_0_308:notes"/>
+          <p:cNvPr id="256" name="Google Shape;256;g31f069b881b_0_308:notes"/>
           <p:cNvSpPr txBox="1"/>
           <p:nvPr>
             <p:ph idx="1" type="body"/>
@@ -1016,7 +1016,7 @@
   <p:cSld>
     <p:spTree>
       <p:nvGrpSpPr>
-        <p:cNvPr id="235" name="Shape 235"/>
+        <p:cNvPr id="261" name="Shape 261"/>
         <p:cNvGrpSpPr/>
         <p:nvPr/>
       </p:nvGrpSpPr>
@@ -1030,7 +1030,7 @@
       </p:grpSpPr>
       <p:sp>
         <p:nvSpPr>
-          <p:cNvPr id="236" name="Google Shape;236;g31f069b881b_0_302:notes"/>
+          <p:cNvPr id="262" name="Google Shape;262;g31f069b881b_0_302:notes"/>
           <p:cNvSpPr/>
           <p:nvPr>
             <p:ph idx="2" type="sldImg"/>
@@ -1065,7 +1065,7 @@
       </p:sp>
       <p:sp>
         <p:nvSpPr>
-          <p:cNvPr id="237" name="Google Shape;237;g31f069b881b_0_302:notes"/>
+          <p:cNvPr id="263" name="Google Shape;263;g31f069b881b_0_302:notes"/>
           <p:cNvSpPr txBox="1"/>
           <p:nvPr>
             <p:ph idx="1" type="body"/>
@@ -1115,7 +1115,7 @@
   <p:cSld>
     <p:spTree>
       <p:nvGrpSpPr>
-        <p:cNvPr id="242" name="Shape 242"/>
+        <p:cNvPr id="268" name="Shape 268"/>
         <p:cNvGrpSpPr/>
         <p:nvPr/>
       </p:nvGrpSpPr>
@@ -1129,7 +1129,7 @@
       </p:grpSpPr>
       <p:sp>
         <p:nvSpPr>
-          <p:cNvPr id="243" name="Google Shape;243;g31f069b881b_0_240:notes"/>
+          <p:cNvPr id="269" name="Google Shape;269;g31f069b881b_0_240:notes"/>
           <p:cNvSpPr/>
           <p:nvPr>
             <p:ph idx="2" type="sldImg"/>
@@ -1164,7 +1164,7 @@
       </p:sp>
       <p:sp>
         <p:nvSpPr>
-          <p:cNvPr id="244" name="Google Shape;244;g31f069b881b_0_240:notes"/>
+          <p:cNvPr id="270" name="Google Shape;270;g31f069b881b_0_240:notes"/>
           <p:cNvSpPr txBox="1"/>
           <p:nvPr>
             <p:ph idx="1" type="body"/>
@@ -1214,7 +1214,7 @@
   <p:cSld>
     <p:spTree>
       <p:nvGrpSpPr>
-        <p:cNvPr id="251" name="Shape 251"/>
+        <p:cNvPr id="277" name="Shape 277"/>
         <p:cNvGrpSpPr/>
         <p:nvPr/>
       </p:nvGrpSpPr>
@@ -1228,7 +1228,7 @@
       </p:grpSpPr>
       <p:sp>
         <p:nvSpPr>
-          <p:cNvPr id="252" name="Google Shape;252;g31f069b881b_0_261:notes"/>
+          <p:cNvPr id="278" name="Google Shape;278;g31f069b881b_0_261:notes"/>
           <p:cNvSpPr/>
           <p:nvPr>
             <p:ph idx="2" type="sldImg"/>
@@ -1263,7 +1263,7 @@
       </p:sp>
       <p:sp>
         <p:nvSpPr>
-          <p:cNvPr id="253" name="Google Shape;253;g31f069b881b_0_261:notes"/>
+          <p:cNvPr id="279" name="Google Shape;279;g31f069b881b_0_261:notes"/>
           <p:cNvSpPr txBox="1"/>
           <p:nvPr>
             <p:ph idx="1" type="body"/>
@@ -26384,24 +26384,966 @@
           </a:p>
         </p:txBody>
       </p:sp>
-      <p:pic>
-        <p:nvPicPr>
+      <p:sp>
+        <p:nvSpPr>
           <p:cNvPr id="227" name="Google Shape;227;p33"/>
-          <p:cNvPicPr preferRelativeResize="0"/>
+          <p:cNvSpPr/>
           <p:nvPr/>
-        </p:nvPicPr>
-        <p:blipFill>
-          <a:blip r:embed="rId3">
-            <a:alphaModFix/>
-          </a:blip>
-          <a:stretch>
-            <a:fillRect/>
-          </a:stretch>
-        </p:blipFill>
+        </p:nvSpPr>
         <p:spPr>
           <a:xfrm>
-            <a:off x="1485278" y="998325"/>
-            <a:ext cx="6173452" cy="3795979"/>
+            <a:off x="936600" y="958800"/>
+            <a:ext cx="7270800" cy="3225900"/>
+          </a:xfrm>
+          <a:prstGeom prst="rect">
+            <a:avLst/>
+          </a:prstGeom>
+          <a:solidFill>
+            <a:schemeClr val="lt2"/>
+          </a:solidFill>
+          <a:ln cap="flat" cmpd="sng" w="9525">
+            <a:solidFill>
+              <a:schemeClr val="dk2"/>
+            </a:solidFill>
+            <a:prstDash val="solid"/>
+            <a:round/>
+            <a:headEnd len="sm" w="sm" type="none"/>
+            <a:tailEnd len="sm" w="sm" type="none"/>
+          </a:ln>
+          <a:effectLst>
+            <a:outerShdw blurRad="57150" rotWithShape="0" algn="bl" dir="5400000" dist="19050">
+              <a:srgbClr val="000000">
+                <a:alpha val="50000"/>
+              </a:srgbClr>
+            </a:outerShdw>
+          </a:effectLst>
+        </p:spPr>
+        <p:txBody>
+          <a:bodyPr anchorCtr="0" anchor="ctr" bIns="91425" lIns="91425" spcFirstLastPara="1" rIns="91425" wrap="square" tIns="91425">
+            <a:noAutofit/>
+          </a:bodyPr>
+          <a:lstStyle/>
+          <a:p>
+            <a:pPr indent="0" lvl="0" marL="0" rtl="0" algn="ctr">
+              <a:spcBef>
+                <a:spcPts val="0"/>
+              </a:spcBef>
+              <a:spcAft>
+                <a:spcPts val="0"/>
+              </a:spcAft>
+              <a:buNone/>
+            </a:pPr>
+            <a:r>
+              <a:t/>
+            </a:r>
+            <a:endParaRPr>
+              <a:latin typeface="DM Sans"/>
+              <a:ea typeface="DM Sans"/>
+              <a:cs typeface="DM Sans"/>
+              <a:sym typeface="DM Sans"/>
+            </a:endParaRPr>
+          </a:p>
+        </p:txBody>
+      </p:sp>
+      <p:grpSp>
+        <p:nvGrpSpPr>
+          <p:cNvPr id="228" name="Google Shape;228;p33"/>
+          <p:cNvGrpSpPr/>
+          <p:nvPr/>
+        </p:nvGrpSpPr>
+        <p:grpSpPr>
+          <a:xfrm>
+            <a:off x="5413125" y="1870963"/>
+            <a:ext cx="1354801" cy="1401525"/>
+            <a:chOff x="5343225" y="2551913"/>
+            <a:chExt cx="1354801" cy="1401525"/>
+          </a:xfrm>
+        </p:grpSpPr>
+        <p:sp>
+          <p:nvSpPr>
+            <p:cNvPr id="229" name="Google Shape;229;p33"/>
+            <p:cNvSpPr/>
+            <p:nvPr/>
+          </p:nvSpPr>
+          <p:spPr>
+            <a:xfrm>
+              <a:off x="5343225" y="2567363"/>
+              <a:ext cx="318900" cy="307800"/>
+            </a:xfrm>
+            <a:prstGeom prst="ellipse">
+              <a:avLst/>
+            </a:prstGeom>
+            <a:solidFill>
+              <a:schemeClr val="lt2"/>
+            </a:solidFill>
+            <a:ln cap="flat" cmpd="sng" w="9525">
+              <a:solidFill>
+                <a:schemeClr val="dk2"/>
+              </a:solidFill>
+              <a:prstDash val="solid"/>
+              <a:round/>
+              <a:headEnd len="sm" w="sm" type="none"/>
+              <a:tailEnd len="sm" w="sm" type="none"/>
+            </a:ln>
+            <a:effectLst>
+              <a:outerShdw blurRad="57150" rotWithShape="0" algn="bl" dir="5400000" dist="19050">
+                <a:srgbClr val="000000">
+                  <a:alpha val="50000"/>
+                </a:srgbClr>
+              </a:outerShdw>
+            </a:effectLst>
+          </p:spPr>
+          <p:txBody>
+            <a:bodyPr anchorCtr="0" anchor="ctr" bIns="91425" lIns="91425" spcFirstLastPara="1" rIns="91425" wrap="square" tIns="91425">
+              <a:noAutofit/>
+            </a:bodyPr>
+            <a:lstStyle/>
+            <a:p>
+              <a:pPr indent="0" lvl="0" marL="0" rtl="0" algn="ctr">
+                <a:spcBef>
+                  <a:spcPts val="0"/>
+                </a:spcBef>
+                <a:spcAft>
+                  <a:spcPts val="0"/>
+                </a:spcAft>
+                <a:buNone/>
+              </a:pPr>
+              <a:r>
+                <a:t/>
+              </a:r>
+              <a:endParaRPr>
+                <a:latin typeface="DM Sans"/>
+                <a:ea typeface="DM Sans"/>
+                <a:cs typeface="DM Sans"/>
+                <a:sym typeface="DM Sans"/>
+              </a:endParaRPr>
+            </a:p>
+          </p:txBody>
+        </p:sp>
+        <p:sp>
+          <p:nvSpPr>
+            <p:cNvPr id="230" name="Google Shape;230;p33"/>
+            <p:cNvSpPr/>
+            <p:nvPr/>
+          </p:nvSpPr>
+          <p:spPr>
+            <a:xfrm>
+              <a:off x="5343225" y="3630184"/>
+              <a:ext cx="318900" cy="307800"/>
+            </a:xfrm>
+            <a:prstGeom prst="ellipse">
+              <a:avLst/>
+            </a:prstGeom>
+            <a:solidFill>
+              <a:schemeClr val="lt2"/>
+            </a:solidFill>
+            <a:ln cap="flat" cmpd="sng" w="9525">
+              <a:solidFill>
+                <a:schemeClr val="dk2"/>
+              </a:solidFill>
+              <a:prstDash val="solid"/>
+              <a:round/>
+              <a:headEnd len="sm" w="sm" type="none"/>
+              <a:tailEnd len="sm" w="sm" type="none"/>
+            </a:ln>
+            <a:effectLst>
+              <a:outerShdw blurRad="57150" rotWithShape="0" algn="bl" dir="5400000" dist="19050">
+                <a:srgbClr val="000000">
+                  <a:alpha val="50000"/>
+                </a:srgbClr>
+              </a:outerShdw>
+            </a:effectLst>
+          </p:spPr>
+          <p:txBody>
+            <a:bodyPr anchorCtr="0" anchor="ctr" bIns="91425" lIns="91425" spcFirstLastPara="1" rIns="91425" wrap="square" tIns="91425">
+              <a:noAutofit/>
+            </a:bodyPr>
+            <a:lstStyle/>
+            <a:p>
+              <a:pPr indent="0" lvl="0" marL="0" rtl="0" algn="ctr">
+                <a:spcBef>
+                  <a:spcPts val="0"/>
+                </a:spcBef>
+                <a:spcAft>
+                  <a:spcPts val="0"/>
+                </a:spcAft>
+                <a:buNone/>
+              </a:pPr>
+              <a:r>
+                <a:t/>
+              </a:r>
+              <a:endParaRPr>
+                <a:latin typeface="DM Sans"/>
+                <a:ea typeface="DM Sans"/>
+                <a:cs typeface="DM Sans"/>
+                <a:sym typeface="DM Sans"/>
+              </a:endParaRPr>
+            </a:p>
+          </p:txBody>
+        </p:sp>
+        <p:sp>
+          <p:nvSpPr>
+            <p:cNvPr id="231" name="Google Shape;231;p33"/>
+            <p:cNvSpPr/>
+            <p:nvPr/>
+          </p:nvSpPr>
+          <p:spPr>
+            <a:xfrm>
+              <a:off x="6379126" y="3078942"/>
+              <a:ext cx="318900" cy="307800"/>
+            </a:xfrm>
+            <a:prstGeom prst="ellipse">
+              <a:avLst/>
+            </a:prstGeom>
+            <a:solidFill>
+              <a:schemeClr val="lt2"/>
+            </a:solidFill>
+            <a:ln cap="flat" cmpd="sng" w="9525">
+              <a:solidFill>
+                <a:schemeClr val="dk2"/>
+              </a:solidFill>
+              <a:prstDash val="solid"/>
+              <a:round/>
+              <a:headEnd len="sm" w="sm" type="none"/>
+              <a:tailEnd len="sm" w="sm" type="none"/>
+            </a:ln>
+            <a:effectLst>
+              <a:outerShdw blurRad="57150" rotWithShape="0" algn="bl" dir="5400000" dist="19050">
+                <a:srgbClr val="000000">
+                  <a:alpha val="50000"/>
+                </a:srgbClr>
+              </a:outerShdw>
+            </a:effectLst>
+          </p:spPr>
+          <p:txBody>
+            <a:bodyPr anchorCtr="0" anchor="ctr" bIns="91425" lIns="91425" spcFirstLastPara="1" rIns="91425" wrap="square" tIns="91425">
+              <a:noAutofit/>
+            </a:bodyPr>
+            <a:lstStyle/>
+            <a:p>
+              <a:pPr indent="0" lvl="0" marL="0" rtl="0" algn="ctr">
+                <a:spcBef>
+                  <a:spcPts val="0"/>
+                </a:spcBef>
+                <a:spcAft>
+                  <a:spcPts val="0"/>
+                </a:spcAft>
+                <a:buNone/>
+              </a:pPr>
+              <a:r>
+                <a:t/>
+              </a:r>
+              <a:endParaRPr>
+                <a:latin typeface="DM Sans"/>
+                <a:ea typeface="DM Sans"/>
+                <a:cs typeface="DM Sans"/>
+                <a:sym typeface="DM Sans"/>
+              </a:endParaRPr>
+            </a:p>
+          </p:txBody>
+        </p:sp>
+        <p:cxnSp>
+          <p:nvCxnSpPr>
+            <p:cNvPr id="232" name="Google Shape;232;p33"/>
+            <p:cNvCxnSpPr>
+              <a:stCxn id="229" idx="5"/>
+              <a:endCxn id="231" idx="2"/>
+            </p:cNvCxnSpPr>
+            <p:nvPr/>
+          </p:nvCxnSpPr>
+          <p:spPr>
+            <a:xfrm>
+              <a:off x="5615423" y="2830086"/>
+              <a:ext cx="763800" cy="402900"/>
+            </a:xfrm>
+            <a:prstGeom prst="straightConnector1">
+              <a:avLst/>
+            </a:prstGeom>
+            <a:noFill/>
+            <a:ln cap="flat" cmpd="sng" w="9525">
+              <a:solidFill>
+                <a:schemeClr val="dk2"/>
+              </a:solidFill>
+              <a:prstDash val="solid"/>
+              <a:round/>
+              <a:headEnd len="med" w="med" type="none"/>
+              <a:tailEnd len="med" w="med" type="none"/>
+            </a:ln>
+          </p:spPr>
+        </p:cxnSp>
+        <p:cxnSp>
+          <p:nvCxnSpPr>
+            <p:cNvPr id="233" name="Google Shape;233;p33"/>
+            <p:cNvCxnSpPr>
+              <a:stCxn id="231" idx="3"/>
+              <a:endCxn id="230" idx="7"/>
+            </p:cNvCxnSpPr>
+            <p:nvPr/>
+          </p:nvCxnSpPr>
+          <p:spPr>
+            <a:xfrm flipH="1">
+              <a:off x="5615528" y="3341666"/>
+              <a:ext cx="810300" cy="333600"/>
+            </a:xfrm>
+            <a:prstGeom prst="straightConnector1">
+              <a:avLst/>
+            </a:prstGeom>
+            <a:noFill/>
+            <a:ln cap="flat" cmpd="sng" w="9525">
+              <a:solidFill>
+                <a:schemeClr val="dk2"/>
+              </a:solidFill>
+              <a:prstDash val="solid"/>
+              <a:round/>
+              <a:headEnd len="med" w="med" type="none"/>
+              <a:tailEnd len="med" w="med" type="none"/>
+            </a:ln>
+          </p:spPr>
+        </p:cxnSp>
+        <p:sp>
+          <p:nvSpPr>
+            <p:cNvPr id="234" name="Google Shape;234;p33"/>
+            <p:cNvSpPr txBox="1"/>
+            <p:nvPr/>
+          </p:nvSpPr>
+          <p:spPr>
+            <a:xfrm>
+              <a:off x="5343225" y="2551913"/>
+              <a:ext cx="318900" cy="338700"/>
+            </a:xfrm>
+            <a:prstGeom prst="rect">
+              <a:avLst/>
+            </a:prstGeom>
+            <a:noFill/>
+            <a:ln>
+              <a:noFill/>
+            </a:ln>
+          </p:spPr>
+          <p:txBody>
+            <a:bodyPr anchorCtr="0" anchor="t" bIns="91425" lIns="91425" spcFirstLastPara="1" rIns="91425" wrap="square" tIns="91425">
+              <a:spAutoFit/>
+            </a:bodyPr>
+            <a:lstStyle/>
+            <a:p>
+              <a:pPr indent="0" lvl="0" marL="0" rtl="0" algn="ctr">
+                <a:spcBef>
+                  <a:spcPts val="0"/>
+                </a:spcBef>
+                <a:spcAft>
+                  <a:spcPts val="0"/>
+                </a:spcAft>
+                <a:buNone/>
+              </a:pPr>
+              <a:r>
+                <a:rPr lang="en" sz="1000">
+                  <a:solidFill>
+                    <a:schemeClr val="dk2"/>
+                  </a:solidFill>
+                  <a:latin typeface="DM Sans"/>
+                  <a:ea typeface="DM Sans"/>
+                  <a:cs typeface="DM Sans"/>
+                  <a:sym typeface="DM Sans"/>
+                </a:rPr>
+                <a:t>1</a:t>
+              </a:r>
+              <a:endParaRPr sz="1000">
+                <a:solidFill>
+                  <a:schemeClr val="dk2"/>
+                </a:solidFill>
+                <a:latin typeface="DM Sans"/>
+                <a:ea typeface="DM Sans"/>
+                <a:cs typeface="DM Sans"/>
+                <a:sym typeface="DM Sans"/>
+              </a:endParaRPr>
+            </a:p>
+          </p:txBody>
+        </p:sp>
+        <p:sp>
+          <p:nvSpPr>
+            <p:cNvPr id="235" name="Google Shape;235;p33"/>
+            <p:cNvSpPr txBox="1"/>
+            <p:nvPr/>
+          </p:nvSpPr>
+          <p:spPr>
+            <a:xfrm>
+              <a:off x="5343225" y="3614738"/>
+              <a:ext cx="318900" cy="338700"/>
+            </a:xfrm>
+            <a:prstGeom prst="rect">
+              <a:avLst/>
+            </a:prstGeom>
+            <a:noFill/>
+            <a:ln>
+              <a:noFill/>
+            </a:ln>
+          </p:spPr>
+          <p:txBody>
+            <a:bodyPr anchorCtr="0" anchor="t" bIns="91425" lIns="91425" spcFirstLastPara="1" rIns="91425" wrap="square" tIns="91425">
+              <a:spAutoFit/>
+            </a:bodyPr>
+            <a:lstStyle/>
+            <a:p>
+              <a:pPr indent="0" lvl="0" marL="0" rtl="0" algn="ctr">
+                <a:spcBef>
+                  <a:spcPts val="0"/>
+                </a:spcBef>
+                <a:spcAft>
+                  <a:spcPts val="0"/>
+                </a:spcAft>
+                <a:buNone/>
+              </a:pPr>
+              <a:r>
+                <a:rPr lang="en" sz="1000">
+                  <a:solidFill>
+                    <a:schemeClr val="dk2"/>
+                  </a:solidFill>
+                  <a:latin typeface="DM Sans"/>
+                  <a:ea typeface="DM Sans"/>
+                  <a:cs typeface="DM Sans"/>
+                  <a:sym typeface="DM Sans"/>
+                </a:rPr>
+                <a:t>2</a:t>
+              </a:r>
+              <a:endParaRPr sz="1000">
+                <a:solidFill>
+                  <a:schemeClr val="dk2"/>
+                </a:solidFill>
+                <a:latin typeface="DM Sans"/>
+                <a:ea typeface="DM Sans"/>
+                <a:cs typeface="DM Sans"/>
+                <a:sym typeface="DM Sans"/>
+              </a:endParaRPr>
+            </a:p>
+          </p:txBody>
+        </p:sp>
+        <p:sp>
+          <p:nvSpPr>
+            <p:cNvPr id="236" name="Google Shape;236;p33"/>
+            <p:cNvSpPr txBox="1"/>
+            <p:nvPr/>
+          </p:nvSpPr>
+          <p:spPr>
+            <a:xfrm>
+              <a:off x="6379125" y="3063488"/>
+              <a:ext cx="318900" cy="338700"/>
+            </a:xfrm>
+            <a:prstGeom prst="rect">
+              <a:avLst/>
+            </a:prstGeom>
+            <a:noFill/>
+            <a:ln>
+              <a:noFill/>
+            </a:ln>
+          </p:spPr>
+          <p:txBody>
+            <a:bodyPr anchorCtr="0" anchor="t" bIns="91425" lIns="91425" spcFirstLastPara="1" rIns="91425" wrap="square" tIns="91425">
+              <a:spAutoFit/>
+            </a:bodyPr>
+            <a:lstStyle/>
+            <a:p>
+              <a:pPr indent="0" lvl="0" marL="0" rtl="0" algn="ctr">
+                <a:spcBef>
+                  <a:spcPts val="0"/>
+                </a:spcBef>
+                <a:spcAft>
+                  <a:spcPts val="0"/>
+                </a:spcAft>
+                <a:buNone/>
+              </a:pPr>
+              <a:r>
+                <a:rPr lang="en" sz="1000">
+                  <a:solidFill>
+                    <a:schemeClr val="dk2"/>
+                  </a:solidFill>
+                  <a:latin typeface="DM Sans"/>
+                  <a:ea typeface="DM Sans"/>
+                  <a:cs typeface="DM Sans"/>
+                  <a:sym typeface="DM Sans"/>
+                </a:rPr>
+                <a:t>3</a:t>
+              </a:r>
+              <a:endParaRPr sz="1000">
+                <a:solidFill>
+                  <a:schemeClr val="dk2"/>
+                </a:solidFill>
+                <a:latin typeface="DM Sans"/>
+                <a:ea typeface="DM Sans"/>
+                <a:cs typeface="DM Sans"/>
+                <a:sym typeface="DM Sans"/>
+              </a:endParaRPr>
+            </a:p>
+          </p:txBody>
+        </p:sp>
+      </p:grpSp>
+      <p:grpSp>
+        <p:nvGrpSpPr>
+          <p:cNvPr id="237" name="Google Shape;237;p33"/>
+          <p:cNvGrpSpPr/>
+          <p:nvPr/>
+        </p:nvGrpSpPr>
+        <p:grpSpPr>
+          <a:xfrm>
+            <a:off x="1970125" y="1870975"/>
+            <a:ext cx="1354801" cy="1401525"/>
+            <a:chOff x="8821450" y="2571750"/>
+            <a:chExt cx="1354801" cy="1401525"/>
+          </a:xfrm>
+        </p:grpSpPr>
+        <p:sp>
+          <p:nvSpPr>
+            <p:cNvPr id="238" name="Google Shape;238;p33"/>
+            <p:cNvSpPr/>
+            <p:nvPr/>
+          </p:nvSpPr>
+          <p:spPr>
+            <a:xfrm>
+              <a:off x="8821450" y="2587200"/>
+              <a:ext cx="318900" cy="307800"/>
+            </a:xfrm>
+            <a:prstGeom prst="ellipse">
+              <a:avLst/>
+            </a:prstGeom>
+            <a:solidFill>
+              <a:schemeClr val="lt2"/>
+            </a:solidFill>
+            <a:ln cap="flat" cmpd="sng" w="9525">
+              <a:solidFill>
+                <a:schemeClr val="dk2"/>
+              </a:solidFill>
+              <a:prstDash val="solid"/>
+              <a:round/>
+              <a:headEnd len="sm" w="sm" type="none"/>
+              <a:tailEnd len="sm" w="sm" type="none"/>
+            </a:ln>
+            <a:effectLst>
+              <a:outerShdw blurRad="57150" rotWithShape="0" algn="bl" dir="5400000" dist="19050">
+                <a:srgbClr val="000000">
+                  <a:alpha val="50000"/>
+                </a:srgbClr>
+              </a:outerShdw>
+            </a:effectLst>
+          </p:spPr>
+          <p:txBody>
+            <a:bodyPr anchorCtr="0" anchor="ctr" bIns="91425" lIns="91425" spcFirstLastPara="1" rIns="91425" wrap="square" tIns="91425">
+              <a:noAutofit/>
+            </a:bodyPr>
+            <a:lstStyle/>
+            <a:p>
+              <a:pPr indent="0" lvl="0" marL="0" rtl="0" algn="ctr">
+                <a:spcBef>
+                  <a:spcPts val="0"/>
+                </a:spcBef>
+                <a:spcAft>
+                  <a:spcPts val="0"/>
+                </a:spcAft>
+                <a:buNone/>
+              </a:pPr>
+              <a:r>
+                <a:t/>
+              </a:r>
+              <a:endParaRPr>
+                <a:latin typeface="DM Sans"/>
+                <a:ea typeface="DM Sans"/>
+                <a:cs typeface="DM Sans"/>
+                <a:sym typeface="DM Sans"/>
+              </a:endParaRPr>
+            </a:p>
+          </p:txBody>
+        </p:sp>
+        <p:sp>
+          <p:nvSpPr>
+            <p:cNvPr id="239" name="Google Shape;239;p33"/>
+            <p:cNvSpPr/>
+            <p:nvPr/>
+          </p:nvSpPr>
+          <p:spPr>
+            <a:xfrm>
+              <a:off x="8821450" y="3650022"/>
+              <a:ext cx="318900" cy="307800"/>
+            </a:xfrm>
+            <a:prstGeom prst="ellipse">
+              <a:avLst/>
+            </a:prstGeom>
+            <a:solidFill>
+              <a:schemeClr val="lt2"/>
+            </a:solidFill>
+            <a:ln cap="flat" cmpd="sng" w="9525">
+              <a:solidFill>
+                <a:schemeClr val="dk2"/>
+              </a:solidFill>
+              <a:prstDash val="solid"/>
+              <a:round/>
+              <a:headEnd len="sm" w="sm" type="none"/>
+              <a:tailEnd len="sm" w="sm" type="none"/>
+            </a:ln>
+            <a:effectLst>
+              <a:outerShdw blurRad="57150" rotWithShape="0" algn="bl" dir="5400000" dist="19050">
+                <a:srgbClr val="000000">
+                  <a:alpha val="50000"/>
+                </a:srgbClr>
+              </a:outerShdw>
+            </a:effectLst>
+          </p:spPr>
+          <p:txBody>
+            <a:bodyPr anchorCtr="0" anchor="ctr" bIns="91425" lIns="91425" spcFirstLastPara="1" rIns="91425" wrap="square" tIns="91425">
+              <a:noAutofit/>
+            </a:bodyPr>
+            <a:lstStyle/>
+            <a:p>
+              <a:pPr indent="0" lvl="0" marL="0" rtl="0" algn="ctr">
+                <a:spcBef>
+                  <a:spcPts val="0"/>
+                </a:spcBef>
+                <a:spcAft>
+                  <a:spcPts val="0"/>
+                </a:spcAft>
+                <a:buNone/>
+              </a:pPr>
+              <a:r>
+                <a:t/>
+              </a:r>
+              <a:endParaRPr>
+                <a:latin typeface="DM Sans"/>
+                <a:ea typeface="DM Sans"/>
+                <a:cs typeface="DM Sans"/>
+                <a:sym typeface="DM Sans"/>
+              </a:endParaRPr>
+            </a:p>
+          </p:txBody>
+        </p:sp>
+        <p:sp>
+          <p:nvSpPr>
+            <p:cNvPr id="240" name="Google Shape;240;p33"/>
+            <p:cNvSpPr/>
+            <p:nvPr/>
+          </p:nvSpPr>
+          <p:spPr>
+            <a:xfrm>
+              <a:off x="9857351" y="3098779"/>
+              <a:ext cx="318900" cy="307800"/>
+            </a:xfrm>
+            <a:prstGeom prst="ellipse">
+              <a:avLst/>
+            </a:prstGeom>
+            <a:solidFill>
+              <a:schemeClr val="lt2"/>
+            </a:solidFill>
+            <a:ln cap="flat" cmpd="sng" w="9525">
+              <a:solidFill>
+                <a:schemeClr val="dk2"/>
+              </a:solidFill>
+              <a:prstDash val="solid"/>
+              <a:round/>
+              <a:headEnd len="sm" w="sm" type="none"/>
+              <a:tailEnd len="sm" w="sm" type="none"/>
+            </a:ln>
+            <a:effectLst>
+              <a:outerShdw blurRad="57150" rotWithShape="0" algn="bl" dir="5400000" dist="19050">
+                <a:srgbClr val="000000">
+                  <a:alpha val="50000"/>
+                </a:srgbClr>
+              </a:outerShdw>
+            </a:effectLst>
+          </p:spPr>
+          <p:txBody>
+            <a:bodyPr anchorCtr="0" anchor="ctr" bIns="91425" lIns="91425" spcFirstLastPara="1" rIns="91425" wrap="square" tIns="91425">
+              <a:noAutofit/>
+            </a:bodyPr>
+            <a:lstStyle/>
+            <a:p>
+              <a:pPr indent="0" lvl="0" marL="0" rtl="0" algn="ctr">
+                <a:spcBef>
+                  <a:spcPts val="0"/>
+                </a:spcBef>
+                <a:spcAft>
+                  <a:spcPts val="0"/>
+                </a:spcAft>
+                <a:buNone/>
+              </a:pPr>
+              <a:r>
+                <a:t/>
+              </a:r>
+              <a:endParaRPr>
+                <a:latin typeface="DM Sans"/>
+                <a:ea typeface="DM Sans"/>
+                <a:cs typeface="DM Sans"/>
+                <a:sym typeface="DM Sans"/>
+              </a:endParaRPr>
+            </a:p>
+          </p:txBody>
+        </p:sp>
+        <p:cxnSp>
+          <p:nvCxnSpPr>
+            <p:cNvPr id="241" name="Google Shape;241;p33"/>
+            <p:cNvCxnSpPr>
+              <a:stCxn id="238" idx="5"/>
+              <a:endCxn id="240" idx="2"/>
+            </p:cNvCxnSpPr>
+            <p:nvPr/>
+          </p:nvCxnSpPr>
+          <p:spPr>
+            <a:xfrm>
+              <a:off x="9093648" y="2849924"/>
+              <a:ext cx="763800" cy="402900"/>
+            </a:xfrm>
+            <a:prstGeom prst="straightConnector1">
+              <a:avLst/>
+            </a:prstGeom>
+            <a:noFill/>
+            <a:ln cap="flat" cmpd="sng" w="9525">
+              <a:solidFill>
+                <a:schemeClr val="dk2"/>
+              </a:solidFill>
+              <a:prstDash val="solid"/>
+              <a:round/>
+              <a:headEnd len="med" w="med" type="none"/>
+              <a:tailEnd len="med" w="med" type="none"/>
+            </a:ln>
+          </p:spPr>
+        </p:cxnSp>
+        <p:cxnSp>
+          <p:nvCxnSpPr>
+            <p:cNvPr id="242" name="Google Shape;242;p33"/>
+            <p:cNvCxnSpPr>
+              <a:stCxn id="240" idx="3"/>
+              <a:endCxn id="239" idx="7"/>
+            </p:cNvCxnSpPr>
+            <p:nvPr/>
+          </p:nvCxnSpPr>
+          <p:spPr>
+            <a:xfrm flipH="1">
+              <a:off x="9093753" y="3361503"/>
+              <a:ext cx="810300" cy="333600"/>
+            </a:xfrm>
+            <a:prstGeom prst="straightConnector1">
+              <a:avLst/>
+            </a:prstGeom>
+            <a:noFill/>
+            <a:ln cap="flat" cmpd="sng" w="9525">
+              <a:solidFill>
+                <a:schemeClr val="dk2"/>
+              </a:solidFill>
+              <a:prstDash val="solid"/>
+              <a:round/>
+              <a:headEnd len="med" w="med" type="none"/>
+              <a:tailEnd len="med" w="med" type="none"/>
+            </a:ln>
+          </p:spPr>
+        </p:cxnSp>
+        <p:cxnSp>
+          <p:nvCxnSpPr>
+            <p:cNvPr id="243" name="Google Shape;243;p33"/>
+            <p:cNvCxnSpPr>
+              <a:stCxn id="238" idx="4"/>
+              <a:endCxn id="239" idx="0"/>
+            </p:cNvCxnSpPr>
+            <p:nvPr/>
+          </p:nvCxnSpPr>
+          <p:spPr>
+            <a:xfrm>
+              <a:off x="8980900" y="2895000"/>
+              <a:ext cx="0" cy="755100"/>
+            </a:xfrm>
+            <a:prstGeom prst="straightConnector1">
+              <a:avLst/>
+            </a:prstGeom>
+            <a:noFill/>
+            <a:ln cap="flat" cmpd="sng" w="9525">
+              <a:solidFill>
+                <a:schemeClr val="dk2"/>
+              </a:solidFill>
+              <a:prstDash val="solid"/>
+              <a:round/>
+              <a:headEnd len="med" w="med" type="none"/>
+              <a:tailEnd len="med" w="med" type="none"/>
+            </a:ln>
+          </p:spPr>
+        </p:cxnSp>
+        <p:sp>
+          <p:nvSpPr>
+            <p:cNvPr id="244" name="Google Shape;244;p33"/>
+            <p:cNvSpPr txBox="1"/>
+            <p:nvPr/>
+          </p:nvSpPr>
+          <p:spPr>
+            <a:xfrm>
+              <a:off x="8821450" y="2571750"/>
+              <a:ext cx="318900" cy="338700"/>
+            </a:xfrm>
+            <a:prstGeom prst="rect">
+              <a:avLst/>
+            </a:prstGeom>
+            <a:noFill/>
+            <a:ln>
+              <a:noFill/>
+            </a:ln>
+          </p:spPr>
+          <p:txBody>
+            <a:bodyPr anchorCtr="0" anchor="t" bIns="91425" lIns="91425" spcFirstLastPara="1" rIns="91425" wrap="square" tIns="91425">
+              <a:spAutoFit/>
+            </a:bodyPr>
+            <a:lstStyle/>
+            <a:p>
+              <a:pPr indent="0" lvl="0" marL="0" rtl="0" algn="ctr">
+                <a:spcBef>
+                  <a:spcPts val="0"/>
+                </a:spcBef>
+                <a:spcAft>
+                  <a:spcPts val="0"/>
+                </a:spcAft>
+                <a:buNone/>
+              </a:pPr>
+              <a:r>
+                <a:rPr lang="en" sz="1000">
+                  <a:solidFill>
+                    <a:schemeClr val="dk2"/>
+                  </a:solidFill>
+                  <a:latin typeface="DM Sans"/>
+                  <a:ea typeface="DM Sans"/>
+                  <a:cs typeface="DM Sans"/>
+                  <a:sym typeface="DM Sans"/>
+                </a:rPr>
+                <a:t>1</a:t>
+              </a:r>
+              <a:endParaRPr sz="1000">
+                <a:solidFill>
+                  <a:schemeClr val="dk2"/>
+                </a:solidFill>
+                <a:latin typeface="DM Sans"/>
+                <a:ea typeface="DM Sans"/>
+                <a:cs typeface="DM Sans"/>
+                <a:sym typeface="DM Sans"/>
+              </a:endParaRPr>
+            </a:p>
+          </p:txBody>
+        </p:sp>
+        <p:sp>
+          <p:nvSpPr>
+            <p:cNvPr id="245" name="Google Shape;245;p33"/>
+            <p:cNvSpPr txBox="1"/>
+            <p:nvPr/>
+          </p:nvSpPr>
+          <p:spPr>
+            <a:xfrm>
+              <a:off x="8821450" y="3634575"/>
+              <a:ext cx="318900" cy="338700"/>
+            </a:xfrm>
+            <a:prstGeom prst="rect">
+              <a:avLst/>
+            </a:prstGeom>
+            <a:noFill/>
+            <a:ln>
+              <a:noFill/>
+            </a:ln>
+          </p:spPr>
+          <p:txBody>
+            <a:bodyPr anchorCtr="0" anchor="t" bIns="91425" lIns="91425" spcFirstLastPara="1" rIns="91425" wrap="square" tIns="91425">
+              <a:spAutoFit/>
+            </a:bodyPr>
+            <a:lstStyle/>
+            <a:p>
+              <a:pPr indent="0" lvl="0" marL="0" rtl="0" algn="ctr">
+                <a:spcBef>
+                  <a:spcPts val="0"/>
+                </a:spcBef>
+                <a:spcAft>
+                  <a:spcPts val="0"/>
+                </a:spcAft>
+                <a:buNone/>
+              </a:pPr>
+              <a:r>
+                <a:rPr lang="en" sz="1000">
+                  <a:solidFill>
+                    <a:schemeClr val="dk2"/>
+                  </a:solidFill>
+                  <a:latin typeface="DM Sans"/>
+                  <a:ea typeface="DM Sans"/>
+                  <a:cs typeface="DM Sans"/>
+                  <a:sym typeface="DM Sans"/>
+                </a:rPr>
+                <a:t>2</a:t>
+              </a:r>
+              <a:endParaRPr sz="1000">
+                <a:solidFill>
+                  <a:schemeClr val="dk2"/>
+                </a:solidFill>
+                <a:latin typeface="DM Sans"/>
+                <a:ea typeface="DM Sans"/>
+                <a:cs typeface="DM Sans"/>
+                <a:sym typeface="DM Sans"/>
+              </a:endParaRPr>
+            </a:p>
+          </p:txBody>
+        </p:sp>
+        <p:sp>
+          <p:nvSpPr>
+            <p:cNvPr id="246" name="Google Shape;246;p33"/>
+            <p:cNvSpPr txBox="1"/>
+            <p:nvPr/>
+          </p:nvSpPr>
+          <p:spPr>
+            <a:xfrm>
+              <a:off x="9857350" y="3083325"/>
+              <a:ext cx="318900" cy="338700"/>
+            </a:xfrm>
+            <a:prstGeom prst="rect">
+              <a:avLst/>
+            </a:prstGeom>
+            <a:noFill/>
+            <a:ln>
+              <a:noFill/>
+            </a:ln>
+          </p:spPr>
+          <p:txBody>
+            <a:bodyPr anchorCtr="0" anchor="t" bIns="91425" lIns="91425" spcFirstLastPara="1" rIns="91425" wrap="square" tIns="91425">
+              <a:spAutoFit/>
+            </a:bodyPr>
+            <a:lstStyle/>
+            <a:p>
+              <a:pPr indent="0" lvl="0" marL="0" rtl="0" algn="ctr">
+                <a:spcBef>
+                  <a:spcPts val="0"/>
+                </a:spcBef>
+                <a:spcAft>
+                  <a:spcPts val="0"/>
+                </a:spcAft>
+                <a:buNone/>
+              </a:pPr>
+              <a:r>
+                <a:rPr lang="en" sz="1000">
+                  <a:solidFill>
+                    <a:schemeClr val="dk2"/>
+                  </a:solidFill>
+                  <a:latin typeface="DM Sans"/>
+                  <a:ea typeface="DM Sans"/>
+                  <a:cs typeface="DM Sans"/>
+                  <a:sym typeface="DM Sans"/>
+                </a:rPr>
+                <a:t>3</a:t>
+              </a:r>
+              <a:endParaRPr sz="1000">
+                <a:solidFill>
+                  <a:schemeClr val="dk2"/>
+                </a:solidFill>
+                <a:latin typeface="DM Sans"/>
+                <a:ea typeface="DM Sans"/>
+                <a:cs typeface="DM Sans"/>
+                <a:sym typeface="DM Sans"/>
+              </a:endParaRPr>
+            </a:p>
+          </p:txBody>
+        </p:sp>
+      </p:grpSp>
+      <p:sp>
+        <p:nvSpPr>
+          <p:cNvPr id="247" name="Google Shape;247;p33"/>
+          <p:cNvSpPr txBox="1"/>
+          <p:nvPr/>
+        </p:nvSpPr>
+        <p:spPr>
+          <a:xfrm>
+            <a:off x="2537900" y="1989700"/>
+            <a:ext cx="269700" cy="249600"/>
           </a:xfrm>
           <a:prstGeom prst="rect">
             <a:avLst/>
@@ -26411,7 +27353,361 @@
             <a:noFill/>
           </a:ln>
         </p:spPr>
-      </p:pic>
+        <p:txBody>
+          <a:bodyPr anchorCtr="0" anchor="t" bIns="91425" lIns="91425" spcFirstLastPara="1" rIns="91425" wrap="square" tIns="91425">
+            <a:noAutofit/>
+          </a:bodyPr>
+          <a:lstStyle/>
+          <a:p>
+            <a:pPr indent="0" lvl="0" marL="0" rtl="0" algn="ctr">
+              <a:spcBef>
+                <a:spcPts val="0"/>
+              </a:spcBef>
+              <a:spcAft>
+                <a:spcPts val="0"/>
+              </a:spcAft>
+              <a:buNone/>
+            </a:pPr>
+            <a:r>
+              <a:rPr lang="en" sz="1000">
+                <a:solidFill>
+                  <a:schemeClr val="dk2"/>
+                </a:solidFill>
+                <a:latin typeface="DM Sans"/>
+                <a:ea typeface="DM Sans"/>
+                <a:cs typeface="DM Sans"/>
+                <a:sym typeface="DM Sans"/>
+              </a:rPr>
+              <a:t>2</a:t>
+            </a:r>
+            <a:endParaRPr sz="1000">
+              <a:solidFill>
+                <a:schemeClr val="dk2"/>
+              </a:solidFill>
+              <a:latin typeface="DM Sans"/>
+              <a:ea typeface="DM Sans"/>
+              <a:cs typeface="DM Sans"/>
+              <a:sym typeface="DM Sans"/>
+            </a:endParaRPr>
+          </a:p>
+        </p:txBody>
+      </p:sp>
+      <p:sp>
+        <p:nvSpPr>
+          <p:cNvPr id="248" name="Google Shape;248;p33"/>
+          <p:cNvSpPr txBox="1"/>
+          <p:nvPr/>
+        </p:nvSpPr>
+        <p:spPr>
+          <a:xfrm>
+            <a:off x="2580425" y="2861175"/>
+            <a:ext cx="269700" cy="249600"/>
+          </a:xfrm>
+          <a:prstGeom prst="rect">
+            <a:avLst/>
+          </a:prstGeom>
+          <a:noFill/>
+          <a:ln>
+            <a:noFill/>
+          </a:ln>
+        </p:spPr>
+        <p:txBody>
+          <a:bodyPr anchorCtr="0" anchor="t" bIns="91425" lIns="91425" spcFirstLastPara="1" rIns="91425" wrap="square" tIns="91425">
+            <a:noAutofit/>
+          </a:bodyPr>
+          <a:lstStyle/>
+          <a:p>
+            <a:pPr indent="0" lvl="0" marL="0" rtl="0" algn="ctr">
+              <a:spcBef>
+                <a:spcPts val="0"/>
+              </a:spcBef>
+              <a:spcAft>
+                <a:spcPts val="0"/>
+              </a:spcAft>
+              <a:buNone/>
+            </a:pPr>
+            <a:r>
+              <a:rPr lang="en" sz="1000">
+                <a:solidFill>
+                  <a:schemeClr val="dk2"/>
+                </a:solidFill>
+                <a:latin typeface="DM Sans"/>
+                <a:ea typeface="DM Sans"/>
+                <a:cs typeface="DM Sans"/>
+                <a:sym typeface="DM Sans"/>
+              </a:rPr>
+              <a:t>3</a:t>
+            </a:r>
+            <a:endParaRPr sz="1000">
+              <a:solidFill>
+                <a:schemeClr val="dk2"/>
+              </a:solidFill>
+              <a:latin typeface="DM Sans"/>
+              <a:ea typeface="DM Sans"/>
+              <a:cs typeface="DM Sans"/>
+              <a:sym typeface="DM Sans"/>
+            </a:endParaRPr>
+          </a:p>
+        </p:txBody>
+      </p:sp>
+      <p:sp>
+        <p:nvSpPr>
+          <p:cNvPr id="249" name="Google Shape;249;p33"/>
+          <p:cNvSpPr txBox="1"/>
+          <p:nvPr/>
+        </p:nvSpPr>
+        <p:spPr>
+          <a:xfrm>
+            <a:off x="1738925" y="2446950"/>
+            <a:ext cx="318600" cy="249600"/>
+          </a:xfrm>
+          <a:prstGeom prst="rect">
+            <a:avLst/>
+          </a:prstGeom>
+          <a:noFill/>
+          <a:ln>
+            <a:noFill/>
+          </a:ln>
+        </p:spPr>
+        <p:txBody>
+          <a:bodyPr anchorCtr="0" anchor="t" bIns="91425" lIns="91425" spcFirstLastPara="1" rIns="91425" wrap="square" tIns="91425">
+            <a:noAutofit/>
+          </a:bodyPr>
+          <a:lstStyle/>
+          <a:p>
+            <a:pPr indent="0" lvl="0" marL="0" rtl="0" algn="ctr">
+              <a:spcBef>
+                <a:spcPts val="0"/>
+              </a:spcBef>
+              <a:spcAft>
+                <a:spcPts val="0"/>
+              </a:spcAft>
+              <a:buNone/>
+            </a:pPr>
+            <a:r>
+              <a:rPr lang="en" sz="1000">
+                <a:solidFill>
+                  <a:schemeClr val="dk2"/>
+                </a:solidFill>
+                <a:latin typeface="DM Sans"/>
+                <a:ea typeface="DM Sans"/>
+                <a:cs typeface="DM Sans"/>
+                <a:sym typeface="DM Sans"/>
+              </a:rPr>
+              <a:t>10</a:t>
+            </a:r>
+            <a:endParaRPr sz="1000">
+              <a:solidFill>
+                <a:schemeClr val="dk2"/>
+              </a:solidFill>
+              <a:latin typeface="DM Sans"/>
+              <a:ea typeface="DM Sans"/>
+              <a:cs typeface="DM Sans"/>
+              <a:sym typeface="DM Sans"/>
+            </a:endParaRPr>
+          </a:p>
+        </p:txBody>
+      </p:sp>
+      <p:sp>
+        <p:nvSpPr>
+          <p:cNvPr id="250" name="Google Shape;250;p33"/>
+          <p:cNvSpPr txBox="1"/>
+          <p:nvPr/>
+        </p:nvSpPr>
+        <p:spPr>
+          <a:xfrm>
+            <a:off x="6036075" y="2062200"/>
+            <a:ext cx="269700" cy="249600"/>
+          </a:xfrm>
+          <a:prstGeom prst="rect">
+            <a:avLst/>
+          </a:prstGeom>
+          <a:noFill/>
+          <a:ln>
+            <a:noFill/>
+          </a:ln>
+        </p:spPr>
+        <p:txBody>
+          <a:bodyPr anchorCtr="0" anchor="t" bIns="91425" lIns="91425" spcFirstLastPara="1" rIns="91425" wrap="square" tIns="91425">
+            <a:noAutofit/>
+          </a:bodyPr>
+          <a:lstStyle/>
+          <a:p>
+            <a:pPr indent="0" lvl="0" marL="0" rtl="0" algn="ctr">
+              <a:spcBef>
+                <a:spcPts val="0"/>
+              </a:spcBef>
+              <a:spcAft>
+                <a:spcPts val="0"/>
+              </a:spcAft>
+              <a:buNone/>
+            </a:pPr>
+            <a:r>
+              <a:rPr lang="en" sz="1000">
+                <a:solidFill>
+                  <a:schemeClr val="dk2"/>
+                </a:solidFill>
+                <a:latin typeface="DM Sans"/>
+                <a:ea typeface="DM Sans"/>
+                <a:cs typeface="DM Sans"/>
+                <a:sym typeface="DM Sans"/>
+              </a:rPr>
+              <a:t>2</a:t>
+            </a:r>
+            <a:endParaRPr sz="1000">
+              <a:solidFill>
+                <a:schemeClr val="dk2"/>
+              </a:solidFill>
+              <a:latin typeface="DM Sans"/>
+              <a:ea typeface="DM Sans"/>
+              <a:cs typeface="DM Sans"/>
+              <a:sym typeface="DM Sans"/>
+            </a:endParaRPr>
+          </a:p>
+        </p:txBody>
+      </p:sp>
+      <p:sp>
+        <p:nvSpPr>
+          <p:cNvPr id="251" name="Google Shape;251;p33"/>
+          <p:cNvSpPr txBox="1"/>
+          <p:nvPr/>
+        </p:nvSpPr>
+        <p:spPr>
+          <a:xfrm>
+            <a:off x="6036075" y="2861175"/>
+            <a:ext cx="269700" cy="249600"/>
+          </a:xfrm>
+          <a:prstGeom prst="rect">
+            <a:avLst/>
+          </a:prstGeom>
+          <a:noFill/>
+          <a:ln>
+            <a:noFill/>
+          </a:ln>
+        </p:spPr>
+        <p:txBody>
+          <a:bodyPr anchorCtr="0" anchor="t" bIns="91425" lIns="91425" spcFirstLastPara="1" rIns="91425" wrap="square" tIns="91425">
+            <a:noAutofit/>
+          </a:bodyPr>
+          <a:lstStyle/>
+          <a:p>
+            <a:pPr indent="0" lvl="0" marL="0" rtl="0" algn="ctr">
+              <a:spcBef>
+                <a:spcPts val="0"/>
+              </a:spcBef>
+              <a:spcAft>
+                <a:spcPts val="0"/>
+              </a:spcAft>
+              <a:buNone/>
+            </a:pPr>
+            <a:r>
+              <a:rPr lang="en" sz="1000">
+                <a:solidFill>
+                  <a:schemeClr val="dk2"/>
+                </a:solidFill>
+                <a:latin typeface="DM Sans"/>
+                <a:ea typeface="DM Sans"/>
+                <a:cs typeface="DM Sans"/>
+                <a:sym typeface="DM Sans"/>
+              </a:rPr>
+              <a:t>3</a:t>
+            </a:r>
+            <a:endParaRPr sz="1000">
+              <a:solidFill>
+                <a:schemeClr val="dk2"/>
+              </a:solidFill>
+              <a:latin typeface="DM Sans"/>
+              <a:ea typeface="DM Sans"/>
+              <a:cs typeface="DM Sans"/>
+              <a:sym typeface="DM Sans"/>
+            </a:endParaRPr>
+          </a:p>
+        </p:txBody>
+      </p:sp>
+      <p:sp>
+        <p:nvSpPr>
+          <p:cNvPr id="252" name="Google Shape;252;p33"/>
+          <p:cNvSpPr txBox="1"/>
+          <p:nvPr/>
+        </p:nvSpPr>
+        <p:spPr>
+          <a:xfrm>
+            <a:off x="1449275" y="1120800"/>
+            <a:ext cx="6062400" cy="469500"/>
+          </a:xfrm>
+          <a:prstGeom prst="rect">
+            <a:avLst/>
+          </a:prstGeom>
+          <a:noFill/>
+          <a:ln>
+            <a:noFill/>
+          </a:ln>
+        </p:spPr>
+        <p:txBody>
+          <a:bodyPr anchorCtr="0" anchor="t" bIns="91425" lIns="91425" spcFirstLastPara="1" rIns="91425" wrap="square" tIns="91425">
+            <a:noAutofit/>
+          </a:bodyPr>
+          <a:lstStyle/>
+          <a:p>
+            <a:pPr indent="0" lvl="0" marL="0" rtl="0" algn="ctr">
+              <a:spcBef>
+                <a:spcPts val="0"/>
+              </a:spcBef>
+              <a:spcAft>
+                <a:spcPts val="0"/>
+              </a:spcAft>
+              <a:buNone/>
+            </a:pPr>
+            <a:r>
+              <a:rPr lang="en" sz="1300">
+                <a:solidFill>
+                  <a:schemeClr val="dk2"/>
+                </a:solidFill>
+                <a:latin typeface="DM Sans"/>
+                <a:ea typeface="DM Sans"/>
+                <a:cs typeface="DM Sans"/>
+                <a:sym typeface="DM Sans"/>
+              </a:rPr>
+              <a:t>Minimum Spanning Tree of a weighted, undirected graph</a:t>
+            </a:r>
+            <a:endParaRPr sz="1300">
+              <a:solidFill>
+                <a:schemeClr val="dk2"/>
+              </a:solidFill>
+              <a:latin typeface="DM Sans"/>
+              <a:ea typeface="DM Sans"/>
+              <a:cs typeface="DM Sans"/>
+              <a:sym typeface="DM Sans"/>
+            </a:endParaRPr>
+          </a:p>
+        </p:txBody>
+      </p:sp>
+      <p:cxnSp>
+        <p:nvCxnSpPr>
+          <p:cNvPr id="253" name="Google Shape;253;p33"/>
+          <p:cNvCxnSpPr/>
+          <p:nvPr/>
+        </p:nvCxnSpPr>
+        <p:spPr>
+          <a:xfrm>
+            <a:off x="3748000" y="2571738"/>
+            <a:ext cx="1328400" cy="0"/>
+          </a:xfrm>
+          <a:prstGeom prst="straightConnector1">
+            <a:avLst/>
+          </a:prstGeom>
+          <a:noFill/>
+          <a:ln cap="flat" cmpd="sng" w="9525">
+            <a:solidFill>
+              <a:schemeClr val="dk2"/>
+            </a:solidFill>
+            <a:prstDash val="solid"/>
+            <a:round/>
+            <a:headEnd len="med" w="med" type="none"/>
+            <a:tailEnd len="med" w="med" type="triangle"/>
+          </a:ln>
+        </p:spPr>
+      </p:cxnSp>
     </p:spTree>
   </p:cSld>
   <p:clrMapOvr>
@@ -26425,7 +27721,7 @@
   <p:cSld>
     <p:spTree>
       <p:nvGrpSpPr>
-        <p:cNvPr id="231" name="Shape 231"/>
+        <p:cNvPr id="257" name="Shape 257"/>
         <p:cNvGrpSpPr/>
         <p:nvPr/>
       </p:nvGrpSpPr>
@@ -26439,7 +27735,7 @@
       </p:grpSpPr>
       <p:sp>
         <p:nvSpPr>
-          <p:cNvPr id="232" name="Google Shape;232;p34"/>
+          <p:cNvPr id="258" name="Google Shape;258;p34"/>
           <p:cNvSpPr txBox="1"/>
           <p:nvPr>
             <p:ph idx="1" type="subTitle"/>
@@ -26499,7 +27795,7 @@
       </p:sp>
       <p:sp>
         <p:nvSpPr>
-          <p:cNvPr id="233" name="Google Shape;233;p34"/>
+          <p:cNvPr id="259" name="Google Shape;259;p34"/>
           <p:cNvSpPr txBox="1"/>
           <p:nvPr>
             <p:ph idx="3" type="body"/>
@@ -26539,7 +27835,7 @@
       </p:sp>
       <p:sp>
         <p:nvSpPr>
-          <p:cNvPr id="234" name="Google Shape;234;p34"/>
+          <p:cNvPr id="260" name="Google Shape;260;p34"/>
           <p:cNvSpPr txBox="1"/>
           <p:nvPr/>
         </p:nvSpPr>
@@ -26792,7 +28088,7 @@
   <p:cSld>
     <p:spTree>
       <p:nvGrpSpPr>
-        <p:cNvPr id="238" name="Shape 238"/>
+        <p:cNvPr id="264" name="Shape 264"/>
         <p:cNvGrpSpPr/>
         <p:nvPr/>
       </p:nvGrpSpPr>
@@ -26806,7 +28102,7 @@
       </p:grpSpPr>
       <p:sp>
         <p:nvSpPr>
-          <p:cNvPr id="239" name="Google Shape;239;p35"/>
+          <p:cNvPr id="265" name="Google Shape;265;p35"/>
           <p:cNvSpPr txBox="1"/>
           <p:nvPr>
             <p:ph idx="1" type="subTitle"/>
@@ -26846,7 +28142,7 @@
       </p:sp>
       <p:sp>
         <p:nvSpPr>
-          <p:cNvPr id="240" name="Google Shape;240;p35"/>
+          <p:cNvPr id="266" name="Google Shape;266;p35"/>
           <p:cNvSpPr txBox="1"/>
           <p:nvPr>
             <p:ph idx="3" type="body"/>
@@ -26886,7 +28182,7 @@
       </p:sp>
       <p:sp>
         <p:nvSpPr>
-          <p:cNvPr id="241" name="Google Shape;241;p35"/>
+          <p:cNvPr id="267" name="Google Shape;267;p35"/>
           <p:cNvSpPr txBox="1"/>
           <p:nvPr/>
         </p:nvSpPr>
@@ -27433,7 +28729,7 @@
   <p:cSld>
     <p:spTree>
       <p:nvGrpSpPr>
-        <p:cNvPr id="245" name="Shape 245"/>
+        <p:cNvPr id="271" name="Shape 271"/>
         <p:cNvGrpSpPr/>
         <p:nvPr/>
       </p:nvGrpSpPr>
@@ -27447,7 +28743,7 @@
       </p:grpSpPr>
       <p:sp>
         <p:nvSpPr>
-          <p:cNvPr id="246" name="Google Shape;246;p36"/>
+          <p:cNvPr id="272" name="Google Shape;272;p36"/>
           <p:cNvSpPr txBox="1"/>
           <p:nvPr>
             <p:ph type="title"/>
@@ -27487,7 +28783,7 @@
       </p:sp>
       <p:sp>
         <p:nvSpPr>
-          <p:cNvPr id="247" name="Google Shape;247;p36"/>
+          <p:cNvPr id="273" name="Google Shape;273;p36"/>
           <p:cNvSpPr txBox="1"/>
           <p:nvPr>
             <p:ph idx="1" type="body"/>
@@ -27537,7 +28833,7 @@
             </a:pPr>
             <a:r>
               <a:rPr lang="en" sz="1200"/>
-              <a:t>Costs shown are averages from 10 runs with the same vertex count</a:t>
+              <a:t>Costs shown are averages from 10 runs with the same vertex count, rounded to whole numbers</a:t>
             </a:r>
             <a:endParaRPr sz="1200"/>
           </a:p>
@@ -27545,7 +28841,7 @@
       </p:sp>
       <p:sp>
         <p:nvSpPr>
-          <p:cNvPr id="248" name="Google Shape;248;p36"/>
+          <p:cNvPr id="274" name="Google Shape;274;p36"/>
           <p:cNvSpPr txBox="1"/>
           <p:nvPr>
             <p:ph idx="2" type="body"/>
@@ -27585,7 +28881,7 @@
       </p:sp>
       <p:sp>
         <p:nvSpPr>
-          <p:cNvPr id="249" name="Google Shape;249;p36"/>
+          <p:cNvPr id="275" name="Google Shape;275;p36"/>
           <p:cNvSpPr txBox="1"/>
           <p:nvPr>
             <p:ph idx="3" type="body"/>
@@ -27625,7 +28921,7 @@
       </p:sp>
       <p:pic>
         <p:nvPicPr>
-          <p:cNvPr id="250" name="Google Shape;250;p36" title="Chart"/>
+          <p:cNvPr id="276" name="Google Shape;276;p36" title="Chart"/>
           <p:cNvPicPr preferRelativeResize="0"/>
           <p:nvPr/>
         </p:nvPicPr>
@@ -27664,7 +28960,7 @@
   <p:cSld>
     <p:spTree>
       <p:nvGrpSpPr>
-        <p:cNvPr id="254" name="Shape 254"/>
+        <p:cNvPr id="280" name="Shape 280"/>
         <p:cNvGrpSpPr/>
         <p:nvPr/>
       </p:nvGrpSpPr>
@@ -27678,7 +28974,7 @@
       </p:grpSpPr>
       <p:sp>
         <p:nvSpPr>
-          <p:cNvPr id="255" name="Google Shape;255;p37"/>
+          <p:cNvPr id="281" name="Google Shape;281;p37"/>
           <p:cNvSpPr txBox="1"/>
           <p:nvPr>
             <p:ph idx="2" type="body"/>
@@ -27718,7 +29014,7 @@
       </p:sp>
       <p:sp>
         <p:nvSpPr>
-          <p:cNvPr id="256" name="Google Shape;256;p37"/>
+          <p:cNvPr id="282" name="Google Shape;282;p37"/>
           <p:cNvSpPr txBox="1"/>
           <p:nvPr>
             <p:ph idx="3" type="body"/>
@@ -27758,7 +29054,7 @@
       </p:sp>
       <p:sp>
         <p:nvSpPr>
-          <p:cNvPr id="257" name="Google Shape;257;p37"/>
+          <p:cNvPr id="283" name="Google Shape;283;p37"/>
           <p:cNvSpPr txBox="1"/>
           <p:nvPr>
             <p:ph type="title"/>
@@ -27798,7 +29094,7 @@
       </p:sp>
       <p:sp>
         <p:nvSpPr>
-          <p:cNvPr id="258" name="Google Shape;258;p37"/>
+          <p:cNvPr id="284" name="Google Shape;284;p37"/>
           <p:cNvSpPr txBox="1"/>
           <p:nvPr>
             <p:ph idx="1" type="body"/>
@@ -27896,7 +29192,7 @@
       </p:sp>
       <p:pic>
         <p:nvPicPr>
-          <p:cNvPr id="259" name="Google Shape;259;p37" title="Chart"/>
+          <p:cNvPr id="285" name="Google Shape;285;p37" title="Chart"/>
           <p:cNvPicPr preferRelativeResize="0"/>
           <p:nvPr/>
         </p:nvPicPr>
